--- a/hw6/Debug.pptx
+++ b/hw6/Debug.pptx
@@ -11,6 +11,8 @@
     <p:sldId id="257" r:id="rId5"/>
     <p:sldId id="260" r:id="rId6"/>
     <p:sldId id="261" r:id="rId7"/>
+    <p:sldId id="262" r:id="rId8"/>
+    <p:sldId id="263" r:id="rId9"/>
   </p:sldIdLst>
   <p:sldSz cx="12192000" cy="6858000"/>
   <p:notesSz cx="6858000" cy="9144000"/>
@@ -109,6 +111,11 @@
       </a:defRPr>
     </a:lvl9pPr>
   </p:defaultTextStyle>
+  <p:extLst>
+    <p:ext uri="{EFAFB233-063F-42B5-8137-9DF3F51BA10A}">
+      <p15:sldGuideLst xmlns:p15="http://schemas.microsoft.com/office/powerpoint/2012/main"/>
+    </p:ext>
+  </p:extLst>
 </p:presentation>
 </file>
 
@@ -3856,35 +3863,207 @@
           </a:p>
         </p:txBody>
       </p:sp>
-      <p:sp>
-        <p:nvSpPr>
-          <p:cNvPr id="3" name="內容版面配置區 2">
-            <a:extLst>
-              <a:ext uri="{FF2B5EF4-FFF2-40B4-BE49-F238E27FC236}">
-                <a16:creationId xmlns:a16="http://schemas.microsoft.com/office/drawing/2014/main" id="{129CA3B3-CE8C-F825-7F2A-4AF5558AE53D}"/>
-              </a:ext>
-            </a:extLst>
-          </p:cNvPr>
-          <p:cNvSpPr>
-            <a:spLocks noGrp="1"/>
-          </p:cNvSpPr>
+      <p:pic>
+        <p:nvPicPr>
+          <p:cNvPr id="5" name="內容版面配置區 4" descr="一張含有 文字, 螢幕擷取畫面, 字型 的圖片&#10;&#10;自動產生的描述">
+            <a:extLst>
+              <a:ext uri="{FF2B5EF4-FFF2-40B4-BE49-F238E27FC236}">
+                <a16:creationId xmlns:a16="http://schemas.microsoft.com/office/drawing/2014/main" id="{C9F8DB3F-8C79-9026-3609-919DF018B6B8}"/>
+              </a:ext>
+            </a:extLst>
+          </p:cNvPr>
+          <p:cNvPicPr>
+            <a:picLocks noGrp="1" noChangeAspect="1"/>
+          </p:cNvPicPr>
           <p:nvPr>
             <p:ph idx="1"/>
           </p:nvPr>
-        </p:nvSpPr>
-        <p:spPr/>
-        <p:txBody>
-          <a:bodyPr/>
-          <a:lstStyle/>
-          <a:p>
-            <a:endParaRPr kumimoji="1" lang="zh-TW" altLang="en-US"/>
-          </a:p>
-        </p:txBody>
-      </p:sp>
+        </p:nvPicPr>
+        <p:blipFill>
+          <a:blip r:embed="rId2"/>
+          <a:stretch>
+            <a:fillRect/>
+          </a:stretch>
+        </p:blipFill>
+        <p:spPr>
+          <a:xfrm>
+            <a:off x="0" y="365125"/>
+            <a:ext cx="9989038" cy="6492875"/>
+          </a:xfrm>
+        </p:spPr>
+      </p:pic>
     </p:spTree>
     <p:extLst>
       <p:ext uri="{BB962C8B-B14F-4D97-AF65-F5344CB8AC3E}">
         <p14:creationId xmlns:p14="http://schemas.microsoft.com/office/powerpoint/2010/main" val="980238870"/>
+      </p:ext>
+    </p:extLst>
+  </p:cSld>
+  <p:clrMapOvr>
+    <a:masterClrMapping/>
+  </p:clrMapOvr>
+</p:sld>
+</file>
+
+<file path=ppt/slides/slide7.xml><?xml version="1.0" encoding="utf-8"?>
+<p:sld xmlns:a="http://schemas.openxmlformats.org/drawingml/2006/main" xmlns:r="http://schemas.openxmlformats.org/officeDocument/2006/relationships" xmlns:p="http://schemas.openxmlformats.org/presentationml/2006/main">
+  <p:cSld>
+    <p:spTree>
+      <p:nvGrpSpPr>
+        <p:cNvPr id="1" name=""/>
+        <p:cNvGrpSpPr/>
+        <p:nvPr/>
+      </p:nvGrpSpPr>
+      <p:grpSpPr>
+        <a:xfrm>
+          <a:off x="0" y="0"/>
+          <a:ext cx="0" cy="0"/>
+          <a:chOff x="0" y="0"/>
+          <a:chExt cx="0" cy="0"/>
+        </a:xfrm>
+      </p:grpSpPr>
+      <p:sp>
+        <p:nvSpPr>
+          <p:cNvPr id="2" name="標題 1">
+            <a:extLst>
+              <a:ext uri="{FF2B5EF4-FFF2-40B4-BE49-F238E27FC236}">
+                <a16:creationId xmlns:a16="http://schemas.microsoft.com/office/drawing/2014/main" id="{4538A74B-0C0F-6113-2ED3-168B34B2A2AD}"/>
+              </a:ext>
+            </a:extLst>
+          </p:cNvPr>
+          <p:cNvSpPr>
+            <a:spLocks noGrp="1"/>
+          </p:cNvSpPr>
+          <p:nvPr>
+            <p:ph type="title"/>
+          </p:nvPr>
+        </p:nvSpPr>
+        <p:spPr/>
+        <p:txBody>
+          <a:bodyPr/>
+          <a:lstStyle/>
+          <a:p>
+            <a:endParaRPr kumimoji="1" lang="zh-TW" altLang="en-US"/>
+          </a:p>
+        </p:txBody>
+      </p:sp>
+      <p:pic>
+        <p:nvPicPr>
+          <p:cNvPr id="5" name="內容版面配置區 4" descr="一張含有 文字, 螢幕擷取畫面, 軟體, 字型 的圖片&#10;&#10;自動產生的描述">
+            <a:extLst>
+              <a:ext uri="{FF2B5EF4-FFF2-40B4-BE49-F238E27FC236}">
+                <a16:creationId xmlns:a16="http://schemas.microsoft.com/office/drawing/2014/main" id="{27859BE7-8684-94DC-2F86-3154DC9A66A7}"/>
+              </a:ext>
+            </a:extLst>
+          </p:cNvPr>
+          <p:cNvPicPr>
+            <a:picLocks noGrp="1" noChangeAspect="1"/>
+          </p:cNvPicPr>
+          <p:nvPr>
+            <p:ph idx="1"/>
+          </p:nvPr>
+        </p:nvPicPr>
+        <p:blipFill>
+          <a:blip r:embed="rId2"/>
+          <a:stretch>
+            <a:fillRect/>
+          </a:stretch>
+        </p:blipFill>
+        <p:spPr>
+          <a:xfrm>
+            <a:off x="0" y="365125"/>
+            <a:ext cx="9989038" cy="6492875"/>
+          </a:xfrm>
+        </p:spPr>
+      </p:pic>
+    </p:spTree>
+    <p:extLst>
+      <p:ext uri="{BB962C8B-B14F-4D97-AF65-F5344CB8AC3E}">
+        <p14:creationId xmlns:p14="http://schemas.microsoft.com/office/powerpoint/2010/main" val="1176986017"/>
+      </p:ext>
+    </p:extLst>
+  </p:cSld>
+  <p:clrMapOvr>
+    <a:masterClrMapping/>
+  </p:clrMapOvr>
+</p:sld>
+</file>
+
+<file path=ppt/slides/slide8.xml><?xml version="1.0" encoding="utf-8"?>
+<p:sld xmlns:a="http://schemas.openxmlformats.org/drawingml/2006/main" xmlns:r="http://schemas.openxmlformats.org/officeDocument/2006/relationships" xmlns:p="http://schemas.openxmlformats.org/presentationml/2006/main">
+  <p:cSld>
+    <p:spTree>
+      <p:nvGrpSpPr>
+        <p:cNvPr id="1" name=""/>
+        <p:cNvGrpSpPr/>
+        <p:nvPr/>
+      </p:nvGrpSpPr>
+      <p:grpSpPr>
+        <a:xfrm>
+          <a:off x="0" y="0"/>
+          <a:ext cx="0" cy="0"/>
+          <a:chOff x="0" y="0"/>
+          <a:chExt cx="0" cy="0"/>
+        </a:xfrm>
+      </p:grpSpPr>
+      <p:sp>
+        <p:nvSpPr>
+          <p:cNvPr id="2" name="標題 1">
+            <a:extLst>
+              <a:ext uri="{FF2B5EF4-FFF2-40B4-BE49-F238E27FC236}">
+                <a16:creationId xmlns:a16="http://schemas.microsoft.com/office/drawing/2014/main" id="{937A8DC5-547D-7BCF-9246-63B0803F43BC}"/>
+              </a:ext>
+            </a:extLst>
+          </p:cNvPr>
+          <p:cNvSpPr>
+            <a:spLocks noGrp="1"/>
+          </p:cNvSpPr>
+          <p:nvPr>
+            <p:ph type="title"/>
+          </p:nvPr>
+        </p:nvSpPr>
+        <p:spPr/>
+        <p:txBody>
+          <a:bodyPr/>
+          <a:lstStyle/>
+          <a:p>
+            <a:endParaRPr kumimoji="1" lang="zh-TW" altLang="en-US"/>
+          </a:p>
+        </p:txBody>
+      </p:sp>
+      <p:pic>
+        <p:nvPicPr>
+          <p:cNvPr id="5" name="內容版面配置區 4" descr="一張含有 文字, 螢幕擷取畫面, 字型 的圖片&#10;&#10;自動產生的描述">
+            <a:extLst>
+              <a:ext uri="{FF2B5EF4-FFF2-40B4-BE49-F238E27FC236}">
+                <a16:creationId xmlns:a16="http://schemas.microsoft.com/office/drawing/2014/main" id="{BE148CD6-F5B3-BB6F-F50D-280B2B9E939B}"/>
+              </a:ext>
+            </a:extLst>
+          </p:cNvPr>
+          <p:cNvPicPr>
+            <a:picLocks noGrp="1" noChangeAspect="1"/>
+          </p:cNvPicPr>
+          <p:nvPr>
+            <p:ph idx="1"/>
+          </p:nvPr>
+        </p:nvPicPr>
+        <p:blipFill>
+          <a:blip r:embed="rId2"/>
+          <a:stretch>
+            <a:fillRect/>
+          </a:stretch>
+        </p:blipFill>
+        <p:spPr>
+          <a:xfrm>
+            <a:off x="0" y="365125"/>
+            <a:ext cx="9989038" cy="6492875"/>
+          </a:xfrm>
+        </p:spPr>
+      </p:pic>
+    </p:spTree>
+    <p:extLst>
+      <p:ext uri="{BB962C8B-B14F-4D97-AF65-F5344CB8AC3E}">
+        <p14:creationId xmlns:p14="http://schemas.microsoft.com/office/powerpoint/2010/main" val="865061793"/>
       </p:ext>
     </p:extLst>
   </p:cSld>
